--- a/docs/diagrams/ChangePrivacySequenceDiagram.pptx
+++ b/docs/diagrams/ChangePrivacySequenceDiagram.pptx
@@ -208,7 +208,7 @@
           <a:p>
             <a:fld id="{F5CC4B3F-88C1-4FFA-B1B6-F41C21DC6924}" type="datetimeFigureOut">
               <a:rPr lang="en-US" smtClean="0"/>
-              <a:t>10/24/2017</a:t>
+              <a:t>10/29/2017</a:t>
             </a:fld>
             <a:endParaRPr lang="en-US"/>
           </a:p>
@@ -654,7 +654,7 @@
           <a:p>
             <a:fld id="{78C97017-6FC3-485B-9764-EAC9E56C1D49}" type="datetimeFigureOut">
               <a:rPr lang="en-US" smtClean="0"/>
-              <a:t>10/24/2017</a:t>
+              <a:t>10/29/2017</a:t>
             </a:fld>
             <a:endParaRPr lang="en-US"/>
           </a:p>
@@ -822,7 +822,7 @@
           <a:p>
             <a:fld id="{78C97017-6FC3-485B-9764-EAC9E56C1D49}" type="datetimeFigureOut">
               <a:rPr lang="en-US" smtClean="0"/>
-              <a:t>10/24/2017</a:t>
+              <a:t>10/29/2017</a:t>
             </a:fld>
             <a:endParaRPr lang="en-US"/>
           </a:p>
@@ -1000,7 +1000,7 @@
           <a:p>
             <a:fld id="{78C97017-6FC3-485B-9764-EAC9E56C1D49}" type="datetimeFigureOut">
               <a:rPr lang="en-US" smtClean="0"/>
-              <a:t>10/24/2017</a:t>
+              <a:t>10/29/2017</a:t>
             </a:fld>
             <a:endParaRPr lang="en-US"/>
           </a:p>
@@ -1168,7 +1168,7 @@
           <a:p>
             <a:fld id="{78C97017-6FC3-485B-9764-EAC9E56C1D49}" type="datetimeFigureOut">
               <a:rPr lang="en-US" smtClean="0"/>
-              <a:t>10/24/2017</a:t>
+              <a:t>10/29/2017</a:t>
             </a:fld>
             <a:endParaRPr lang="en-US"/>
           </a:p>
@@ -1413,7 +1413,7 @@
           <a:p>
             <a:fld id="{78C97017-6FC3-485B-9764-EAC9E56C1D49}" type="datetimeFigureOut">
               <a:rPr lang="en-US" smtClean="0"/>
-              <a:t>10/24/2017</a:t>
+              <a:t>10/29/2017</a:t>
             </a:fld>
             <a:endParaRPr lang="en-US"/>
           </a:p>
@@ -1698,7 +1698,7 @@
           <a:p>
             <a:fld id="{78C97017-6FC3-485B-9764-EAC9E56C1D49}" type="datetimeFigureOut">
               <a:rPr lang="en-US" smtClean="0"/>
-              <a:t>10/24/2017</a:t>
+              <a:t>10/29/2017</a:t>
             </a:fld>
             <a:endParaRPr lang="en-US"/>
           </a:p>
@@ -2117,7 +2117,7 @@
           <a:p>
             <a:fld id="{78C97017-6FC3-485B-9764-EAC9E56C1D49}" type="datetimeFigureOut">
               <a:rPr lang="en-US" smtClean="0"/>
-              <a:t>10/24/2017</a:t>
+              <a:t>10/29/2017</a:t>
             </a:fld>
             <a:endParaRPr lang="en-US"/>
           </a:p>
@@ -2234,7 +2234,7 @@
           <a:p>
             <a:fld id="{78C97017-6FC3-485B-9764-EAC9E56C1D49}" type="datetimeFigureOut">
               <a:rPr lang="en-US" smtClean="0"/>
-              <a:t>10/24/2017</a:t>
+              <a:t>10/29/2017</a:t>
             </a:fld>
             <a:endParaRPr lang="en-US"/>
           </a:p>
@@ -2329,7 +2329,7 @@
           <a:p>
             <a:fld id="{78C97017-6FC3-485B-9764-EAC9E56C1D49}" type="datetimeFigureOut">
               <a:rPr lang="en-US" smtClean="0"/>
-              <a:t>10/24/2017</a:t>
+              <a:t>10/29/2017</a:t>
             </a:fld>
             <a:endParaRPr lang="en-US"/>
           </a:p>
@@ -2604,7 +2604,7 @@
           <a:p>
             <a:fld id="{78C97017-6FC3-485B-9764-EAC9E56C1D49}" type="datetimeFigureOut">
               <a:rPr lang="en-US" smtClean="0"/>
-              <a:t>10/24/2017</a:t>
+              <a:t>10/29/2017</a:t>
             </a:fld>
             <a:endParaRPr lang="en-US"/>
           </a:p>
@@ -2856,7 +2856,7 @@
           <a:p>
             <a:fld id="{78C97017-6FC3-485B-9764-EAC9E56C1D49}" type="datetimeFigureOut">
               <a:rPr lang="en-US" smtClean="0"/>
-              <a:t>10/24/2017</a:t>
+              <a:t>10/29/2017</a:t>
             </a:fld>
             <a:endParaRPr lang="en-US"/>
           </a:p>
@@ -3067,7 +3067,7 @@
           <a:p>
             <a:fld id="{78C97017-6FC3-485B-9764-EAC9E56C1D49}" type="datetimeFigureOut">
               <a:rPr lang="en-US" smtClean="0"/>
-              <a:t>10/24/2017</a:t>
+              <a:t>10/29/2017</a:t>
             </a:fld>
             <a:endParaRPr lang="en-US"/>
           </a:p>
@@ -3450,8 +3450,8 @@
         </p:nvSpPr>
         <p:spPr>
           <a:xfrm>
-            <a:off x="65848" y="228599"/>
-            <a:ext cx="11640567" cy="9296401"/>
+            <a:off x="-144232" y="228599"/>
+            <a:ext cx="11850647" cy="9296401"/>
           </a:xfrm>
           <a:prstGeom prst="roundRect">
             <a:avLst>
@@ -3947,8 +3947,8 @@
         </p:nvSpPr>
         <p:spPr>
           <a:xfrm>
-            <a:off x="38100" y="990600"/>
-            <a:ext cx="1424846" cy="246221"/>
+            <a:off x="-144232" y="914400"/>
+            <a:ext cx="1607178" cy="307777"/>
           </a:xfrm>
           <a:prstGeom prst="rect">
             <a:avLst/>
@@ -3963,7 +3963,7 @@
           <a:p>
             <a:pPr algn="r"/>
             <a:r>
-              <a:rPr lang="en-US" sz="800" dirty="0">
+              <a:rPr lang="en-US" sz="1000" dirty="0">
                 <a:solidFill>
                   <a:schemeClr val="accent1"/>
                 </a:solidFill>
@@ -3971,7 +3971,7 @@
               <a:t>execute</a:t>
             </a:r>
             <a:r>
-              <a:rPr lang="en-US" sz="800" dirty="0" smtClean="0">
+              <a:rPr lang="en-US" sz="1000" dirty="0" smtClean="0">
                 <a:solidFill>
                   <a:schemeClr val="accent1"/>
                 </a:solidFill>
@@ -3979,7 +3979,7 @@
               <a:t>(“</a:t>
             </a:r>
             <a:r>
-              <a:rPr lang="en-US" sz="800" dirty="0" err="1" smtClean="0">
+              <a:rPr lang="en-US" sz="1000" dirty="0" err="1" smtClean="0">
                 <a:solidFill>
                   <a:schemeClr val="accent1"/>
                 </a:solidFill>
@@ -3987,14 +3987,14 @@
               <a:t>changeprivacy</a:t>
             </a:r>
             <a:r>
-              <a:rPr lang="en-US" sz="800" dirty="0" smtClean="0">
+              <a:rPr lang="en-US" sz="1000" dirty="0" smtClean="0">
                 <a:solidFill>
                   <a:schemeClr val="accent1"/>
                 </a:solidFill>
               </a:rPr>
               <a:t> n/true p/false e/true a/false”)</a:t>
             </a:r>
-            <a:endParaRPr lang="en-US" sz="800" dirty="0">
+            <a:endParaRPr lang="en-US" sz="1000" dirty="0">
               <a:solidFill>
                 <a:schemeClr val="accent1"/>
               </a:solidFill>
@@ -4209,8 +4209,8 @@
         </p:nvSpPr>
         <p:spPr>
           <a:xfrm>
-            <a:off x="5810268" y="2771538"/>
-            <a:ext cx="972545" cy="123111"/>
+            <a:off x="5729379" y="2743200"/>
+            <a:ext cx="1204821" cy="153888"/>
           </a:xfrm>
           <a:prstGeom prst="rect">
             <a:avLst/>
@@ -4235,12 +4235,16 @@
           </a:lstStyle>
           <a:p>
             <a:r>
-              <a:rPr lang="en-US" sz="800" dirty="0" err="1" smtClean="0"/>
+              <a:rPr lang="en-US" sz="1000" dirty="0" err="1" smtClean="0"/>
               <a:t>setNameisPrivate</a:t>
             </a:r>
             <a:r>
+              <a:rPr lang="en-US" sz="1000" dirty="0" smtClean="0"/>
+              <a:t>(true</a:t>
+            </a:r>
+            <a:r>
               <a:rPr lang="en-US" sz="800" dirty="0" smtClean="0"/>
-              <a:t>(true)</a:t>
+              <a:t>)</a:t>
             </a:r>
             <a:endParaRPr lang="en-US" sz="800" dirty="0"/>
           </a:p>
@@ -4254,8 +4258,8 @@
         </p:nvSpPr>
         <p:spPr>
           <a:xfrm>
-            <a:off x="1885189" y="1106150"/>
-            <a:ext cx="1899551" cy="246221"/>
+            <a:off x="1885189" y="990600"/>
+            <a:ext cx="1899551" cy="307777"/>
           </a:xfrm>
           <a:prstGeom prst="rect">
             <a:avLst/>
@@ -4280,15 +4284,15 @@
           </a:lstStyle>
           <a:p>
             <a:r>
-              <a:rPr lang="en-US" sz="800" dirty="0" err="1" smtClean="0"/>
+              <a:rPr lang="en-US" sz="1000" dirty="0" err="1" smtClean="0"/>
               <a:t>parseCommand</a:t>
             </a:r>
             <a:r>
-              <a:rPr lang="en-US" sz="800" dirty="0" smtClean="0"/>
+              <a:rPr lang="en-US" sz="1000" dirty="0" smtClean="0"/>
               <a:t>(“</a:t>
             </a:r>
             <a:r>
-              <a:rPr lang="en-US" sz="800" dirty="0" err="1">
+              <a:rPr lang="en-US" sz="1000" dirty="0" err="1">
                 <a:solidFill>
                   <a:schemeClr val="accent1"/>
                 </a:solidFill>
@@ -4296,7 +4300,7 @@
               <a:t>changeprivacy</a:t>
             </a:r>
             <a:r>
-              <a:rPr lang="en-US" sz="800" dirty="0">
+              <a:rPr lang="en-US" sz="1000" dirty="0">
                 <a:solidFill>
                   <a:schemeClr val="accent1"/>
                 </a:solidFill>
@@ -4304,10 +4308,10 @@
               <a:t> n/true p/false e/true a/false</a:t>
             </a:r>
             <a:r>
-              <a:rPr lang="en-US" sz="800" dirty="0" smtClean="0"/>
+              <a:rPr lang="en-US" sz="1000" dirty="0" smtClean="0"/>
               <a:t>”)</a:t>
             </a:r>
-            <a:endParaRPr lang="en-US" sz="800" dirty="0"/>
+            <a:endParaRPr lang="en-US" sz="1000" dirty="0"/>
           </a:p>
         </p:txBody>
       </p:sp>
@@ -4554,7 +4558,7 @@
         </p:nvSpPr>
         <p:spPr>
           <a:xfrm>
-            <a:off x="5983360" y="2057400"/>
+            <a:off x="6288160" y="2057400"/>
             <a:ext cx="2398640" cy="432035"/>
           </a:xfrm>
           <a:prstGeom prst="rect">
@@ -4615,7 +4619,7 @@
         </p:nvCxnSpPr>
         <p:spPr>
           <a:xfrm>
-            <a:off x="6990448" y="2653306"/>
+            <a:off x="7295248" y="2653306"/>
             <a:ext cx="10206" cy="2223494"/>
           </a:xfrm>
           <a:prstGeom prst="line">
@@ -4652,8 +4656,8 @@
         </p:nvSpPr>
         <p:spPr>
           <a:xfrm>
-            <a:off x="6896248" y="2895600"/>
-            <a:ext cx="217409" cy="351475"/>
+            <a:off x="7201048" y="2925126"/>
+            <a:ext cx="217409" cy="256000"/>
           </a:xfrm>
           <a:prstGeom prst="rect">
             <a:avLst/>
@@ -4701,8 +4705,8 @@
         </p:nvCxnSpPr>
         <p:spPr>
           <a:xfrm>
-            <a:off x="5710536" y="2924055"/>
-            <a:ext cx="1210345" cy="0"/>
+            <a:off x="5681322" y="2924055"/>
+            <a:ext cx="1519356" cy="0"/>
           </a:xfrm>
           <a:prstGeom prst="straightConnector1">
             <a:avLst/>
@@ -4962,8 +4966,8 @@
         </p:nvCxnSpPr>
         <p:spPr>
           <a:xfrm>
-            <a:off x="5723855" y="3170875"/>
-            <a:ext cx="1135919" cy="0"/>
+            <a:off x="5681322" y="3174776"/>
+            <a:ext cx="1519356" cy="0"/>
           </a:xfrm>
           <a:prstGeom prst="straightConnector1">
             <a:avLst/>
@@ -5000,8 +5004,8 @@
         </p:nvSpPr>
         <p:spPr>
           <a:xfrm>
-            <a:off x="4343400" y="1963579"/>
-            <a:ext cx="928175" cy="246221"/>
+            <a:off x="4173448" y="1905000"/>
+            <a:ext cx="1098127" cy="307777"/>
           </a:xfrm>
           <a:prstGeom prst="rect">
             <a:avLst/>
@@ -5026,15 +5030,11 @@
           </a:lstStyle>
           <a:p>
             <a:r>
-              <a:rPr lang="en-US" sz="800" dirty="0" smtClean="0"/>
-              <a:t>parse</a:t>
-            </a:r>
-            <a:r>
-              <a:rPr lang="en-US" sz="800" dirty="0" smtClean="0"/>
-              <a:t>(“</a:t>
-            </a:r>
-            <a:r>
-              <a:rPr lang="en-US" sz="800" dirty="0">
+              <a:rPr lang="en-US" sz="1000" dirty="0" smtClean="0"/>
+              <a:t>parse(“</a:t>
+            </a:r>
+            <a:r>
+              <a:rPr lang="en-US" sz="1000" dirty="0">
                 <a:solidFill>
                   <a:schemeClr val="accent1"/>
                 </a:solidFill>
@@ -5042,10 +5042,10 @@
               <a:t>n/true p/false e/true a/false</a:t>
             </a:r>
             <a:r>
-              <a:rPr lang="en-US" sz="800" dirty="0" smtClean="0"/>
+              <a:rPr lang="en-US" sz="1000" dirty="0" smtClean="0"/>
               <a:t>”)</a:t>
             </a:r>
-            <a:endParaRPr lang="en-US" sz="800" dirty="0"/>
+            <a:endParaRPr lang="en-US" sz="1000" dirty="0"/>
           </a:p>
         </p:txBody>
       </p:sp>
@@ -5057,8 +5057,8 @@
         </p:nvSpPr>
         <p:spPr>
           <a:xfrm>
-            <a:off x="6895878" y="3306126"/>
-            <a:ext cx="217409" cy="337066"/>
+            <a:off x="7200678" y="3352800"/>
+            <a:ext cx="217409" cy="279278"/>
           </a:xfrm>
           <a:prstGeom prst="rect">
             <a:avLst/>
@@ -5104,7 +5104,7 @@
         </p:nvSpPr>
         <p:spPr>
           <a:xfrm>
-            <a:off x="6895878" y="4372925"/>
+            <a:off x="7200678" y="4372925"/>
             <a:ext cx="217409" cy="351475"/>
           </a:xfrm>
           <a:prstGeom prst="rect">
@@ -5151,7 +5151,7 @@
         </p:nvSpPr>
         <p:spPr>
           <a:xfrm>
-            <a:off x="6896249" y="3830059"/>
+            <a:off x="7201049" y="3830059"/>
             <a:ext cx="217409" cy="351475"/>
           </a:xfrm>
           <a:prstGeom prst="rect">
@@ -5200,8 +5200,8 @@
         </p:nvCxnSpPr>
         <p:spPr>
           <a:xfrm>
-            <a:off x="5723855" y="3352800"/>
-            <a:ext cx="1210345" cy="0"/>
+            <a:off x="5681322" y="3352800"/>
+            <a:ext cx="1519356" cy="0"/>
           </a:xfrm>
           <a:prstGeom prst="straightConnector1">
             <a:avLst/>
@@ -5238,8 +5238,8 @@
         </p:nvCxnSpPr>
         <p:spPr>
           <a:xfrm>
-            <a:off x="5723854" y="3839525"/>
-            <a:ext cx="1210345" cy="0"/>
+            <a:off x="5681322" y="3839525"/>
+            <a:ext cx="1519356" cy="0"/>
           </a:xfrm>
           <a:prstGeom prst="straightConnector1">
             <a:avLst/>
@@ -5276,8 +5276,8 @@
         </p:nvCxnSpPr>
         <p:spPr>
           <a:xfrm>
-            <a:off x="5710536" y="4389016"/>
-            <a:ext cx="1210345" cy="0"/>
+            <a:off x="5681322" y="4389016"/>
+            <a:ext cx="1519356" cy="0"/>
           </a:xfrm>
           <a:prstGeom prst="straightConnector1">
             <a:avLst/>
@@ -5312,8 +5312,8 @@
         </p:nvSpPr>
         <p:spPr>
           <a:xfrm>
-            <a:off x="5753653" y="3190158"/>
-            <a:ext cx="1041319" cy="123111"/>
+            <a:off x="5738943" y="3200400"/>
+            <a:ext cx="1271457" cy="153888"/>
           </a:xfrm>
           <a:prstGeom prst="rect">
             <a:avLst/>
@@ -5338,14 +5338,14 @@
           </a:lstStyle>
           <a:p>
             <a:r>
-              <a:rPr lang="en-US" sz="800" dirty="0" err="1" smtClean="0"/>
+              <a:rPr lang="en-US" sz="1000" dirty="0" err="1" smtClean="0"/>
               <a:t>setPhoneIsPrivate</a:t>
             </a:r>
             <a:r>
-              <a:rPr lang="en-US" sz="800" dirty="0" smtClean="0"/>
+              <a:rPr lang="en-US" sz="1000" dirty="0" smtClean="0"/>
               <a:t>(false)</a:t>
             </a:r>
-            <a:endParaRPr lang="en-US" sz="800" dirty="0"/>
+            <a:endParaRPr lang="en-US" sz="1000" dirty="0"/>
           </a:p>
         </p:txBody>
       </p:sp>
@@ -5358,7 +5358,7 @@
         <p:spPr>
           <a:xfrm>
             <a:off x="5681782" y="3686098"/>
-            <a:ext cx="1102414" cy="123111"/>
+            <a:ext cx="1229682" cy="153888"/>
           </a:xfrm>
           <a:prstGeom prst="rect">
             <a:avLst/>
@@ -5383,14 +5383,14 @@
           </a:lstStyle>
           <a:p>
             <a:r>
-              <a:rPr lang="en-US" sz="800" dirty="0" err="1" smtClean="0"/>
+              <a:rPr lang="en-US" sz="1000" dirty="0" err="1" smtClean="0"/>
               <a:t>setEmailIsPrivate</a:t>
             </a:r>
             <a:r>
-              <a:rPr lang="en-US" sz="800" dirty="0" smtClean="0"/>
+              <a:rPr lang="en-US" sz="1000" dirty="0" smtClean="0"/>
               <a:t>(true)</a:t>
             </a:r>
-            <a:endParaRPr lang="en-US" sz="800" dirty="0"/>
+            <a:endParaRPr lang="en-US" sz="1000" dirty="0"/>
           </a:p>
         </p:txBody>
       </p:sp>
@@ -5403,7 +5403,7 @@
         <p:spPr>
           <a:xfrm>
             <a:off x="5723854" y="4220289"/>
-            <a:ext cx="1187610" cy="123111"/>
+            <a:ext cx="1319404" cy="153888"/>
           </a:xfrm>
           <a:prstGeom prst="rect">
             <a:avLst/>
@@ -5428,16 +5428,16 @@
           </a:lstStyle>
           <a:p>
             <a:r>
-              <a:rPr lang="en-US" sz="800" dirty="0" err="1" smtClean="0"/>
-              <a:t>setAddressIs</a:t>
-            </a:r>
-            <a:r>
-              <a:rPr lang="en-US" sz="800" dirty="0" err="1" smtClean="0"/>
-              <a:t>Private</a:t>
+              <a:rPr lang="en-US" sz="1000" dirty="0" err="1" smtClean="0"/>
+              <a:t>setAddressIsPrivate</a:t>
+            </a:r>
+            <a:r>
+              <a:rPr lang="en-US" sz="1000" dirty="0" smtClean="0"/>
+              <a:t>(false</a:t>
             </a:r>
             <a:r>
               <a:rPr lang="en-US" sz="800" dirty="0" smtClean="0"/>
-              <a:t>(false)</a:t>
+              <a:t>)</a:t>
             </a:r>
             <a:endParaRPr lang="en-US" sz="800" dirty="0"/>
           </a:p>
@@ -5459,8 +5459,8 @@
         </p:nvCxnSpPr>
         <p:spPr>
           <a:xfrm>
-            <a:off x="5710536" y="3632086"/>
-            <a:ext cx="1135919" cy="0"/>
+            <a:off x="5681322" y="3632086"/>
+            <a:ext cx="1519356" cy="0"/>
           </a:xfrm>
           <a:prstGeom prst="straightConnector1">
             <a:avLst/>
@@ -5505,8 +5505,8 @@
         </p:nvCxnSpPr>
         <p:spPr>
           <a:xfrm>
-            <a:off x="5723855" y="4183846"/>
-            <a:ext cx="1135919" cy="0"/>
+            <a:off x="5681322" y="4183846"/>
+            <a:ext cx="1519356" cy="0"/>
           </a:xfrm>
           <a:prstGeom prst="straightConnector1">
             <a:avLst/>
@@ -5546,13 +5546,14 @@
           </p:cNvPr>
           <p:cNvCxnSpPr>
             <a:cxnSpLocks/>
+            <a:endCxn id="54" idx="2"/>
           </p:cNvCxnSpPr>
           <p:nvPr/>
         </p:nvCxnSpPr>
         <p:spPr>
           <a:xfrm>
-            <a:off x="5702959" y="4717246"/>
-            <a:ext cx="1156815" cy="7154"/>
+            <a:off x="5690460" y="4724400"/>
+            <a:ext cx="1618923" cy="0"/>
           </a:xfrm>
           <a:prstGeom prst="straightConnector1">
             <a:avLst/>
@@ -6079,7 +6080,7 @@
         <p:spPr>
           <a:xfrm>
             <a:off x="10742265" y="7496889"/>
-            <a:ext cx="972545" cy="123111"/>
+            <a:ext cx="972545" cy="153888"/>
           </a:xfrm>
           <a:prstGeom prst="rect">
             <a:avLst/>
@@ -6104,7 +6105,7 @@
           </a:lstStyle>
           <a:p>
             <a:r>
-              <a:rPr lang="en-US" sz="800" dirty="0" err="1" smtClean="0"/>
+              <a:rPr lang="en-US" sz="1000" dirty="0" err="1" smtClean="0"/>
               <a:t>updatePerson</a:t>
             </a:r>
             <a:r>
@@ -6409,9 +6410,9 @@
           <p:nvPr/>
         </p:nvCxnSpPr>
         <p:spPr>
-          <a:xfrm flipV="1">
-            <a:off x="5685755" y="2273418"/>
-            <a:ext cx="297605" cy="3954"/>
+          <a:xfrm>
+            <a:off x="5681322" y="2273418"/>
+            <a:ext cx="606838" cy="0"/>
           </a:xfrm>
           <a:prstGeom prst="straightConnector1">
             <a:avLst/>
@@ -6446,7 +6447,7 @@
         </p:nvSpPr>
         <p:spPr>
           <a:xfrm>
-            <a:off x="6915827" y="2438400"/>
+            <a:off x="7220627" y="2438400"/>
             <a:ext cx="152400" cy="276003"/>
           </a:xfrm>
           <a:prstGeom prst="rect">
@@ -6494,7 +6495,7 @@
         <p:spPr>
           <a:xfrm>
             <a:off x="5718415" y="2714403"/>
-            <a:ext cx="1208474" cy="0"/>
+            <a:ext cx="1520585" cy="0"/>
           </a:xfrm>
           <a:prstGeom prst="straightConnector1">
             <a:avLst/>
@@ -6658,7 +6659,7 @@
         <p:spPr>
           <a:xfrm>
             <a:off x="4821668" y="6845507"/>
-            <a:ext cx="972545" cy="123111"/>
+            <a:ext cx="972545" cy="153888"/>
           </a:xfrm>
           <a:prstGeom prst="rect">
             <a:avLst/>
@@ -6683,10 +6684,10 @@
           </a:lstStyle>
           <a:p>
             <a:r>
-              <a:rPr lang="en-US" sz="800" dirty="0" smtClean="0"/>
+              <a:rPr lang="en-US" sz="1000" dirty="0" smtClean="0"/>
               <a:t>execute())</a:t>
             </a:r>
-            <a:endParaRPr lang="en-US" sz="800" dirty="0"/>
+            <a:endParaRPr lang="en-US" sz="1000" dirty="0"/>
           </a:p>
         </p:txBody>
       </p:sp>
@@ -6838,8 +6839,8 @@
         </p:nvSpPr>
         <p:spPr>
           <a:xfrm>
-            <a:off x="9144000" y="8048950"/>
-            <a:ext cx="2547489" cy="123111"/>
+            <a:off x="8408672" y="8048950"/>
+            <a:ext cx="3282818" cy="153888"/>
           </a:xfrm>
           <a:prstGeom prst="rect">
             <a:avLst/>
@@ -6864,11 +6865,11 @@
           </a:lstStyle>
           <a:p>
             <a:r>
-              <a:rPr lang="en-SG" sz="800" dirty="0" err="1"/>
+              <a:rPr lang="en-SG" sz="1000" dirty="0" err="1"/>
               <a:t>updateFilteredPersonList</a:t>
             </a:r>
             <a:r>
-              <a:rPr lang="en-SG" sz="800" dirty="0"/>
+              <a:rPr lang="en-SG" sz="1000" dirty="0"/>
               <a:t>(PREDICATE_SHOW_ALL_PERSONS</a:t>
             </a:r>
             <a:r>

--- a/docs/diagrams/ChangePrivacySequenceDiagram.pptx
+++ b/docs/diagrams/ChangePrivacySequenceDiagram.pptx
@@ -208,7 +208,7 @@
           <a:p>
             <a:fld id="{F5CC4B3F-88C1-4FFA-B1B6-F41C21DC6924}" type="datetimeFigureOut">
               <a:rPr lang="en-US" smtClean="0"/>
-              <a:t>10/29/2017</a:t>
+              <a:t>11/11/2017</a:t>
             </a:fld>
             <a:endParaRPr lang="en-US"/>
           </a:p>
@@ -654,7 +654,7 @@
           <a:p>
             <a:fld id="{78C97017-6FC3-485B-9764-EAC9E56C1D49}" type="datetimeFigureOut">
               <a:rPr lang="en-US" smtClean="0"/>
-              <a:t>10/29/2017</a:t>
+              <a:t>11/11/2017</a:t>
             </a:fld>
             <a:endParaRPr lang="en-US"/>
           </a:p>
@@ -822,7 +822,7 @@
           <a:p>
             <a:fld id="{78C97017-6FC3-485B-9764-EAC9E56C1D49}" type="datetimeFigureOut">
               <a:rPr lang="en-US" smtClean="0"/>
-              <a:t>10/29/2017</a:t>
+              <a:t>11/11/2017</a:t>
             </a:fld>
             <a:endParaRPr lang="en-US"/>
           </a:p>
@@ -1000,7 +1000,7 @@
           <a:p>
             <a:fld id="{78C97017-6FC3-485B-9764-EAC9E56C1D49}" type="datetimeFigureOut">
               <a:rPr lang="en-US" smtClean="0"/>
-              <a:t>10/29/2017</a:t>
+              <a:t>11/11/2017</a:t>
             </a:fld>
             <a:endParaRPr lang="en-US"/>
           </a:p>
@@ -1168,7 +1168,7 @@
           <a:p>
             <a:fld id="{78C97017-6FC3-485B-9764-EAC9E56C1D49}" type="datetimeFigureOut">
               <a:rPr lang="en-US" smtClean="0"/>
-              <a:t>10/29/2017</a:t>
+              <a:t>11/11/2017</a:t>
             </a:fld>
             <a:endParaRPr lang="en-US"/>
           </a:p>
@@ -1413,7 +1413,7 @@
           <a:p>
             <a:fld id="{78C97017-6FC3-485B-9764-EAC9E56C1D49}" type="datetimeFigureOut">
               <a:rPr lang="en-US" smtClean="0"/>
-              <a:t>10/29/2017</a:t>
+              <a:t>11/11/2017</a:t>
             </a:fld>
             <a:endParaRPr lang="en-US"/>
           </a:p>
@@ -1698,7 +1698,7 @@
           <a:p>
             <a:fld id="{78C97017-6FC3-485B-9764-EAC9E56C1D49}" type="datetimeFigureOut">
               <a:rPr lang="en-US" smtClean="0"/>
-              <a:t>10/29/2017</a:t>
+              <a:t>11/11/2017</a:t>
             </a:fld>
             <a:endParaRPr lang="en-US"/>
           </a:p>
@@ -2117,7 +2117,7 @@
           <a:p>
             <a:fld id="{78C97017-6FC3-485B-9764-EAC9E56C1D49}" type="datetimeFigureOut">
               <a:rPr lang="en-US" smtClean="0"/>
-              <a:t>10/29/2017</a:t>
+              <a:t>11/11/2017</a:t>
             </a:fld>
             <a:endParaRPr lang="en-US"/>
           </a:p>
@@ -2234,7 +2234,7 @@
           <a:p>
             <a:fld id="{78C97017-6FC3-485B-9764-EAC9E56C1D49}" type="datetimeFigureOut">
               <a:rPr lang="en-US" smtClean="0"/>
-              <a:t>10/29/2017</a:t>
+              <a:t>11/11/2017</a:t>
             </a:fld>
             <a:endParaRPr lang="en-US"/>
           </a:p>
@@ -2329,7 +2329,7 @@
           <a:p>
             <a:fld id="{78C97017-6FC3-485B-9764-EAC9E56C1D49}" type="datetimeFigureOut">
               <a:rPr lang="en-US" smtClean="0"/>
-              <a:t>10/29/2017</a:t>
+              <a:t>11/11/2017</a:t>
             </a:fld>
             <a:endParaRPr lang="en-US"/>
           </a:p>
@@ -2604,7 +2604,7 @@
           <a:p>
             <a:fld id="{78C97017-6FC3-485B-9764-EAC9E56C1D49}" type="datetimeFigureOut">
               <a:rPr lang="en-US" smtClean="0"/>
-              <a:t>10/29/2017</a:t>
+              <a:t>11/11/2017</a:t>
             </a:fld>
             <a:endParaRPr lang="en-US"/>
           </a:p>
@@ -2856,7 +2856,7 @@
           <a:p>
             <a:fld id="{78C97017-6FC3-485B-9764-EAC9E56C1D49}" type="datetimeFigureOut">
               <a:rPr lang="en-US" smtClean="0"/>
-              <a:t>10/29/2017</a:t>
+              <a:t>11/11/2017</a:t>
             </a:fld>
             <a:endParaRPr lang="en-US"/>
           </a:p>
@@ -3067,7 +3067,7 @@
           <a:p>
             <a:fld id="{78C97017-6FC3-485B-9764-EAC9E56C1D49}" type="datetimeFigureOut">
               <a:rPr lang="en-US" smtClean="0"/>
-              <a:t>10/29/2017</a:t>
+              <a:t>11/11/2017</a:t>
             </a:fld>
             <a:endParaRPr lang="en-US"/>
           </a:p>
@@ -3450,8 +3450,8 @@
         </p:nvSpPr>
         <p:spPr>
           <a:xfrm>
-            <a:off x="-144232" y="228599"/>
-            <a:ext cx="11850647" cy="9296401"/>
+            <a:off x="-144231" y="228599"/>
+            <a:ext cx="11835722" cy="10058401"/>
           </a:xfrm>
           <a:prstGeom prst="roundRect">
             <a:avLst>
